--- a/2. Simple-Calculations/2. Simple-Calculations.pptx
+++ b/2. Simple-Calculations/2. Simple-Calculations.pptx
@@ -245,7 +245,7 @@
             <a:fld id="{FE5B4EDC-59C0-49C7-8ADA-5A781B329E02}" type="datetimeFigureOut">
               <a:rPr lang="en-US"/>
               <a:pPr/>
-              <a:t>3/26/2017</a:t>
+              <a:t>3/27/2017</a:t>
             </a:fld>
             <a:endParaRPr dirty="0"/>
           </a:p>
@@ -444,7 +444,7 @@
             <a:fld id="{F2D8D46A-B586-417D-BFBD-8C8FE0AAF762}" type="datetimeFigureOut">
               <a:rPr lang="en-US" smtClean="0"/>
               <a:pPr/>
-              <a:t>3/26/2017</a:t>
+              <a:t>3/27/2017</a:t>
             </a:fld>
             <a:endParaRPr lang="en-US"/>
           </a:p>
@@ -2172,7 +2172,7 @@
             <a:fld id="{055373AC-9AA7-423B-BA00-BA1C74164DBD}" type="datetime1">
               <a:rPr lang="en-US" smtClean="0"/>
               <a:pPr/>
-              <a:t>3/26/2017</a:t>
+              <a:t>3/27/2017</a:t>
             </a:fld>
             <a:endParaRPr lang="en-US" dirty="0"/>
           </a:p>
@@ -3340,7 +3340,7 @@
             <a:fld id="{055373AC-9AA7-423B-BA00-BA1C74164DBD}" type="datetime1">
               <a:rPr lang="en-US" smtClean="0"/>
               <a:pPr/>
-              <a:t>3/26/2017</a:t>
+              <a:t>3/27/2017</a:t>
             </a:fld>
             <a:endParaRPr lang="en-US" dirty="0"/>
           </a:p>
@@ -5341,7 +5341,7 @@
                 <a:latin typeface="Consolas" pitchFamily="49" charset="0"/>
                 <a:cs typeface="Consolas" pitchFamily="49" charset="0"/>
               </a:rPr>
-              <a:t>a = 5</a:t>
+              <a:t>int a = 5;</a:t>
             </a:r>
           </a:p>
           <a:p>
@@ -5369,7 +5369,7 @@
                 <a:latin typeface="Consolas" pitchFamily="49" charset="0"/>
                 <a:cs typeface="Consolas" pitchFamily="49" charset="0"/>
               </a:rPr>
-              <a:t>b = 7</a:t>
+              <a:t>int b = 7;</a:t>
             </a:r>
           </a:p>
           <a:p>
@@ -5397,7 +5397,7 @@
                 <a:latin typeface="Consolas" pitchFamily="49" charset="0"/>
                 <a:cs typeface="Consolas" pitchFamily="49" charset="0"/>
               </a:rPr>
-              <a:t>product</a:t>
+              <a:t>int product</a:t>
             </a:r>
             <a:r>
               <a:rPr lang="bg-BG" sz="2800" b="1" noProof="1">
@@ -5467,7 +5467,7 @@
                 <a:latin typeface="Consolas" pitchFamily="49" charset="0"/>
                 <a:cs typeface="Consolas" pitchFamily="49" charset="0"/>
               </a:rPr>
-              <a:t> b</a:t>
+              <a:t> b;</a:t>
             </a:r>
             <a:r>
               <a:rPr lang="en-US" sz="2800" b="1" i="1" noProof="1">
@@ -6320,7 +6320,7 @@
                 <a:latin typeface="Consolas" pitchFamily="49" charset="0"/>
                 <a:cs typeface="Consolas" pitchFamily="49" charset="0"/>
               </a:rPr>
-              <a:t>”</a:t>
+              <a:t>"</a:t>
             </a:r>
             <a:r>
               <a:rPr lang="nn-NO" sz="2800" b="1" noProof="1">
@@ -6354,7 +6354,7 @@
                 <a:latin typeface="Consolas" pitchFamily="49" charset="0"/>
                 <a:cs typeface="Consolas" pitchFamily="49" charset="0"/>
               </a:rPr>
-              <a:t>”</a:t>
+              <a:t>"</a:t>
             </a:r>
             <a:r>
               <a:rPr lang="nn-NO" sz="2800" b="1" noProof="1">
@@ -6433,7 +6433,7 @@
                 <a:latin typeface="Consolas" pitchFamily="49" charset="0"/>
                 <a:cs typeface="Consolas" pitchFamily="49" charset="0"/>
               </a:rPr>
-              <a:t>”</a:t>
+              <a:t>"</a:t>
             </a:r>
             <a:r>
               <a:rPr lang="nn-NO" sz="2800" b="1" noProof="1">
@@ -6467,7 +6467,7 @@
                 <a:latin typeface="Consolas" pitchFamily="49" charset="0"/>
                 <a:cs typeface="Consolas" pitchFamily="49" charset="0"/>
               </a:rPr>
-              <a:t>”</a:t>
+              <a:t>"</a:t>
             </a:r>
             <a:r>
               <a:rPr lang="nn-NO" sz="2800" b="1" noProof="1">
@@ -6607,7 +6607,7 @@
                 <a:latin typeface="Consolas" pitchFamily="49" charset="0"/>
                 <a:cs typeface="Consolas" pitchFamily="49" charset="0"/>
               </a:rPr>
-              <a:t> ” ” </a:t>
+              <a:t> " " </a:t>
             </a:r>
             <a:r>
               <a:rPr lang="en-US" sz="2800" b="1" noProof="1">
@@ -6687,7 +6687,7 @@
                 <a:latin typeface="Consolas" pitchFamily="49" charset="0"/>
                 <a:cs typeface="Consolas" pitchFamily="49" charset="0"/>
               </a:rPr>
-              <a:t>cout &lt;&lt; name &lt;&lt; “\n”;</a:t>
+              <a:t>cout &lt;&lt; name &lt;&lt; "\n";</a:t>
             </a:r>
             <a:endParaRPr lang="nn-NO" sz="2800" b="1" i="1" noProof="1">
               <a:solidFill>
@@ -7141,7 +7141,7 @@
                 <a:latin typeface="Consolas" pitchFamily="49" charset="0"/>
                 <a:cs typeface="Consolas" pitchFamily="49" charset="0"/>
               </a:rPr>
-              <a:t>”</a:t>
+              <a:t>"</a:t>
             </a:r>
             <a:r>
               <a:rPr lang="it-IT" sz="2800" b="1" noProof="1">
@@ -7175,7 +7175,7 @@
                 <a:latin typeface="Consolas" pitchFamily="49" charset="0"/>
                 <a:cs typeface="Consolas" pitchFamily="49" charset="0"/>
               </a:rPr>
-              <a:t> ”</a:t>
+              <a:t> "</a:t>
             </a:r>
             <a:r>
               <a:rPr lang="it-IT" sz="2800" b="1" noProof="1">
@@ -7655,7 +7655,7 @@
                 <a:latin typeface="Consolas" pitchFamily="49" charset="0"/>
                 <a:cs typeface="Consolas" pitchFamily="49" charset="0"/>
               </a:rPr>
-              <a:t>”</a:t>
+              <a:t>"</a:t>
             </a:r>
             <a:r>
               <a:rPr lang="it-IT" sz="2800" b="1" noProof="1">
@@ -7689,7 +7689,7 @@
                 <a:latin typeface="Consolas" pitchFamily="49" charset="0"/>
                 <a:cs typeface="Consolas" pitchFamily="49" charset="0"/>
               </a:rPr>
-              <a:t>= ” &lt;&lt;</a:t>
+              <a:t>= " &lt;&lt;</a:t>
             </a:r>
             <a:r>
               <a:rPr lang="bg-BG" sz="2800" b="1" noProof="1">
@@ -7759,7 +7759,7 @@
                 <a:latin typeface="Consolas" pitchFamily="49" charset="0"/>
                 <a:cs typeface="Consolas" pitchFamily="49" charset="0"/>
               </a:rPr>
-              <a:t>);</a:t>
+              <a:t>) &lt;&lt; endl;</a:t>
             </a:r>
           </a:p>
           <a:p>
@@ -7807,7 +7807,7 @@
                 <a:latin typeface="Consolas" pitchFamily="49" charset="0"/>
                 <a:cs typeface="Consolas" pitchFamily="49" charset="0"/>
               </a:rPr>
-              <a:t>”</a:t>
+              <a:t>"</a:t>
             </a:r>
             <a:r>
               <a:rPr lang="it-IT" sz="2800" b="1" noProof="1">
@@ -7841,7 +7841,7 @@
                 <a:latin typeface="Consolas" pitchFamily="49" charset="0"/>
                 <a:cs typeface="Consolas" pitchFamily="49" charset="0"/>
               </a:rPr>
-              <a:t> ”</a:t>
+              <a:t> "</a:t>
             </a:r>
             <a:r>
               <a:rPr lang="it-IT" sz="2800" b="1" noProof="1">
@@ -7894,7 +7894,7 @@
                 <a:latin typeface="Consolas" pitchFamily="49" charset="0"/>
                 <a:cs typeface="Consolas" pitchFamily="49" charset="0"/>
               </a:rPr>
-              <a:t>);</a:t>
+              <a:t>) &lt;&lt; endl;</a:t>
             </a:r>
           </a:p>
         </p:txBody>
@@ -8227,7 +8227,7 @@
                 <a:latin typeface="Consolas" pitchFamily="49" charset="0"/>
                 <a:cs typeface="Consolas" pitchFamily="49" charset="0"/>
               </a:rPr>
-              <a:t>x1 = float(input())</a:t>
+              <a:t>float x1; cin &gt;&gt; x1;</a:t>
             </a:r>
           </a:p>
           <a:p>
@@ -8258,7 +8258,7 @@
                 <a:latin typeface="Consolas" pitchFamily="49" charset="0"/>
                 <a:cs typeface="Consolas" pitchFamily="49" charset="0"/>
               </a:rPr>
-              <a:t>y1 = float(input())</a:t>
+              <a:t>float y1; cin &gt;&gt; y1;</a:t>
             </a:r>
           </a:p>
           <a:p>
@@ -8289,7 +8289,7 @@
                 <a:latin typeface="Consolas" pitchFamily="49" charset="0"/>
                 <a:cs typeface="Consolas" pitchFamily="49" charset="0"/>
               </a:rPr>
-              <a:t>x2 = float(input())</a:t>
+              <a:t>float x2; cin &gt;&gt; x2;</a:t>
             </a:r>
           </a:p>
           <a:p>
@@ -8320,7 +8320,7 @@
                 <a:latin typeface="Consolas" pitchFamily="49" charset="0"/>
                 <a:cs typeface="Consolas" pitchFamily="49" charset="0"/>
               </a:rPr>
-              <a:t>y2 = float(input())</a:t>
+              <a:t>float y2; cin &gt;&gt; y2;</a:t>
             </a:r>
           </a:p>
           <a:p>
@@ -8351,7 +8351,7 @@
                 <a:latin typeface="Consolas" pitchFamily="49" charset="0"/>
                 <a:cs typeface="Consolas" pitchFamily="49" charset="0"/>
               </a:rPr>
-              <a:t>width = max(x1, x2) - min(x1, x2)</a:t>
+              <a:t>float width = max(x1, x2) - min(x1, x2);</a:t>
             </a:r>
           </a:p>
           <a:p>
@@ -8382,7 +8382,7 @@
                 <a:latin typeface="Consolas" pitchFamily="49" charset="0"/>
                 <a:cs typeface="Consolas" pitchFamily="49" charset="0"/>
               </a:rPr>
-              <a:t>height = max(y1, y2) - min(y1, y2)</a:t>
+              <a:t>float height = max(y1, y2) - min(y1, y2);</a:t>
             </a:r>
           </a:p>
           <a:p>
@@ -8413,7 +8413,7 @@
                 <a:latin typeface="Consolas" pitchFamily="49" charset="0"/>
                 <a:cs typeface="Consolas" pitchFamily="49" charset="0"/>
               </a:rPr>
-              <a:t>print('Area =', width * height)</a:t>
+              <a:t>cout &lt;&lt; "Area = " &lt;&lt; width * height &lt;&lt; endl;</a:t>
             </a:r>
           </a:p>
           <a:p>
@@ -8444,7 +8444,7 @@
                 <a:latin typeface="Consolas" pitchFamily="49" charset="0"/>
                 <a:cs typeface="Consolas" pitchFamily="49" charset="0"/>
               </a:rPr>
-              <a:t>print('Perimeter =', 2 * (width + height))</a:t>
+              <a:t>cout &lt;&lt; "Perimeter = " &lt;&lt; 2 * (width + height) &lt;&lt; endl;</a:t>
             </a:r>
             <a:endParaRPr lang="it-IT" b="1" noProof="1">
               <a:solidFill>
@@ -9342,7 +9342,7 @@
                 <a:latin typeface="Consolas" pitchFamily="49" charset="0"/>
                 <a:cs typeface="Consolas" pitchFamily="49" charset="0"/>
               </a:rPr>
-              <a:t>cout &lt;&lt; 3 &lt;&lt; “ + “ &lt;&lt; 5 &lt;&lt; “ = “ &lt;&lt; 3 + 5 &lt;&lt; “\n”;</a:t>
+              <a:t>cout &lt;&lt; 3 &lt;&lt; " + " &lt;&lt; 5 &lt;&lt; " = " &lt;&lt; 3 + 5 &lt;&lt; "\n";</a:t>
             </a:r>
           </a:p>
         </p:txBody>
@@ -11038,7 +11038,7 @@
                 <a:latin typeface="Consolas" pitchFamily="49" charset="0"/>
                 <a:cs typeface="Consolas" pitchFamily="49" charset="0"/>
               </a:rPr>
-              <a:t>“</a:t>
+              <a:t>"</a:t>
             </a:r>
             <a:r>
               <a:rPr lang="it-IT" sz="2800" b="1" noProof="1">
@@ -11072,7 +11072,7 @@
                 <a:latin typeface="Consolas" pitchFamily="49" charset="0"/>
                 <a:cs typeface="Consolas" pitchFamily="49" charset="0"/>
               </a:rPr>
-              <a:t> “ &lt;&lt;</a:t>
+              <a:t> " &lt;&lt;</a:t>
             </a:r>
             <a:r>
               <a:rPr lang="it-IT" sz="2800" b="1" noProof="1">
@@ -12278,7 +12278,7 @@
                 <a:latin typeface="Consolas" pitchFamily="49" charset="0"/>
                 <a:cs typeface="Consolas" pitchFamily="49" charset="0"/>
               </a:rPr>
-              <a:t>“</a:t>
+              <a:t>"</a:t>
             </a:r>
             <a:r>
               <a:rPr lang="bg-BG" b="1" dirty="0">
@@ -12302,7 +12302,7 @@
                 <a:latin typeface="Consolas" pitchFamily="49" charset="0"/>
                 <a:cs typeface="Consolas" pitchFamily="49" charset="0"/>
               </a:rPr>
-              <a:t>“</a:t>
+              <a:t>"</a:t>
             </a:r>
             <a:r>
               <a:rPr lang="en-US" dirty="0"/>
@@ -12318,7 +12318,7 @@
                 <a:latin typeface="Consolas" pitchFamily="49" charset="0"/>
                 <a:cs typeface="Consolas" pitchFamily="49" charset="0"/>
               </a:rPr>
-              <a:t>“Hi“</a:t>
+              <a:t>"Hi"</a:t>
             </a:r>
             <a:r>
               <a:rPr lang="en-US" dirty="0"/>
@@ -12334,7 +12334,7 @@
                 <a:latin typeface="Consolas" pitchFamily="49" charset="0"/>
                 <a:cs typeface="Consolas" pitchFamily="49" charset="0"/>
               </a:rPr>
-              <a:t>“Beer“</a:t>
+              <a:t>"Beer"</a:t>
             </a:r>
             <a:r>
               <a:rPr lang="en-US" dirty="0"/>
@@ -12771,7 +12771,7 @@
                 <a:latin typeface="Consolas" pitchFamily="49" charset="0"/>
                 <a:cs typeface="Consolas" pitchFamily="49" charset="0"/>
               </a:rPr>
-              <a:t>“Inches = ”; </a:t>
+              <a:t>"Inches = "; </a:t>
             </a:r>
             <a:r>
               <a:rPr lang="en-US" sz="2800" b="1" noProof="1">
@@ -12935,7 +12935,7 @@
                 <a:latin typeface="Consolas" pitchFamily="49" charset="0"/>
                 <a:cs typeface="Consolas" pitchFamily="49" charset="0"/>
               </a:rPr>
-              <a:t>“</a:t>
+              <a:t>"</a:t>
             </a:r>
             <a:r>
               <a:rPr lang="it-IT" sz="2800" b="1" noProof="1">
@@ -12969,7 +12969,7 @@
                 <a:latin typeface="Consolas" pitchFamily="49" charset="0"/>
                 <a:cs typeface="Consolas" pitchFamily="49" charset="0"/>
               </a:rPr>
-              <a:t>“ &lt;&lt;</a:t>
+              <a:t>" &lt;&lt;</a:t>
             </a:r>
             <a:r>
               <a:rPr lang="it-IT" sz="2800" b="1" noProof="1">
@@ -13333,7 +13333,7 @@
                 <a:latin typeface="Consolas" pitchFamily="49" charset="0"/>
                 <a:cs typeface="Consolas" pitchFamily="49" charset="0"/>
               </a:rPr>
-              <a:t>“Some text: ”; </a:t>
+              <a:t>"Some text: "; </a:t>
             </a:r>
             <a:r>
               <a:rPr lang="en-US" sz="2800" b="1" noProof="1">
@@ -13850,7 +13850,7 @@
                 <a:latin typeface="Consolas" pitchFamily="49" charset="0"/>
                 <a:cs typeface="Consolas" pitchFamily="49" charset="0"/>
               </a:rPr>
-              <a:t>cout &lt;&lt; “Hi, “ &lt;&lt; name &lt;&lt; “\n”;</a:t>
+              <a:t>cout &lt;&lt; "Hi, " &lt;&lt; name &lt;&lt; "\n";</a:t>
             </a:r>
           </a:p>
         </p:txBody>
@@ -14625,7 +14625,7 @@
                 <a:latin typeface="Consolas" pitchFamily="49" charset="0"/>
                 <a:cs typeface="Consolas" pitchFamily="49" charset="0"/>
               </a:rPr>
-              <a:t>“</a:t>
+              <a:t>"</a:t>
             </a:r>
             <a:r>
               <a:rPr lang="it-IT" sz="2800" b="1" noProof="1">
@@ -14659,7 +14659,7 @@
                 <a:latin typeface="Consolas" pitchFamily="49" charset="0"/>
                 <a:cs typeface="Consolas" pitchFamily="49" charset="0"/>
               </a:rPr>
-              <a:t>“</a:t>
+              <a:t>"</a:t>
             </a:r>
             <a:r>
               <a:rPr lang="it-IT" sz="2800" b="1" noProof="1">
@@ -14729,7 +14729,7 @@
                 <a:latin typeface="Consolas" pitchFamily="49" charset="0"/>
                 <a:cs typeface="Consolas" pitchFamily="49" charset="0"/>
               </a:rPr>
-              <a:t>“ “ </a:t>
+              <a:t>" " </a:t>
             </a:r>
             <a:r>
               <a:rPr lang="it-IT" sz="2800" b="1" noProof="1">
@@ -14846,7 +14846,7 @@
                 <a:latin typeface="Consolas" pitchFamily="49" charset="0"/>
                 <a:cs typeface="Consolas" pitchFamily="49" charset="0"/>
               </a:rPr>
-              <a:t>“</a:t>
+              <a:t>"</a:t>
             </a:r>
             <a:r>
               <a:rPr lang="it-IT" sz="2800" b="1" noProof="1">
@@ -14880,7 +14880,7 @@
                 <a:latin typeface="Consolas" pitchFamily="49" charset="0"/>
                 <a:cs typeface="Consolas" pitchFamily="49" charset="0"/>
               </a:rPr>
-              <a:t>“ </a:t>
+              <a:t>" </a:t>
             </a:r>
             <a:r>
               <a:rPr lang="it-IT" sz="2800" b="1" noProof="1">
@@ -14978,7 +14978,7 @@
                 <a:latin typeface="Consolas" pitchFamily="49" charset="0"/>
                 <a:cs typeface="Consolas" pitchFamily="49" charset="0"/>
               </a:rPr>
-              <a:t>“</a:t>
+              <a:t>"</a:t>
             </a:r>
             <a:r>
               <a:rPr lang="it-IT" sz="2800" b="1" noProof="1">
@@ -15012,7 +15012,7 @@
                 <a:latin typeface="Consolas" pitchFamily="49" charset="0"/>
                 <a:cs typeface="Consolas" pitchFamily="49" charset="0"/>
               </a:rPr>
-              <a:t>“ </a:t>
+              <a:t>" </a:t>
             </a:r>
             <a:r>
               <a:rPr lang="it-IT" sz="2800" b="1" noProof="1">
@@ -15101,7 +15101,7 @@
                 <a:latin typeface="Consolas" pitchFamily="49" charset="0"/>
                 <a:cs typeface="Consolas" pitchFamily="49" charset="0"/>
               </a:rPr>
-              <a:t>“</a:t>
+              <a:t>"</a:t>
             </a:r>
             <a:r>
               <a:rPr lang="it-IT" sz="2800" b="1" noProof="1">
@@ -15135,7 +15135,7 @@
                 <a:latin typeface="Consolas" pitchFamily="49" charset="0"/>
                 <a:cs typeface="Consolas" pitchFamily="49" charset="0"/>
               </a:rPr>
-              <a:t>“;</a:t>
+              <a:t>";</a:t>
             </a:r>
             <a:endParaRPr lang="it-IT" sz="2800" b="1" noProof="1">
               <a:solidFill>

--- a/2. Simple-Calculations/2. Simple-Calculations.pptx
+++ b/2. Simple-Calculations/2. Simple-Calculations.pptx
@@ -245,7 +245,7 @@
             <a:fld id="{FE5B4EDC-59C0-49C7-8ADA-5A781B329E02}" type="datetimeFigureOut">
               <a:rPr lang="en-US"/>
               <a:pPr/>
-              <a:t>3/27/2017</a:t>
+              <a:t>3/29/2017</a:t>
             </a:fld>
             <a:endParaRPr dirty="0"/>
           </a:p>
@@ -444,7 +444,7 @@
             <a:fld id="{F2D8D46A-B586-417D-BFBD-8C8FE0AAF762}" type="datetimeFigureOut">
               <a:rPr lang="en-US" smtClean="0"/>
               <a:pPr/>
-              <a:t>3/27/2017</a:t>
+              <a:t>3/29/2017</a:t>
             </a:fld>
             <a:endParaRPr lang="en-US"/>
           </a:p>
@@ -2172,7 +2172,7 @@
             <a:fld id="{055373AC-9AA7-423B-BA00-BA1C74164DBD}" type="datetime1">
               <a:rPr lang="en-US" smtClean="0"/>
               <a:pPr/>
-              <a:t>3/27/2017</a:t>
+              <a:t>3/29/2017</a:t>
             </a:fld>
             <a:endParaRPr lang="en-US" dirty="0"/>
           </a:p>
@@ -3340,7 +3340,7 @@
             <a:fld id="{055373AC-9AA7-423B-BA00-BA1C74164DBD}" type="datetime1">
               <a:rPr lang="en-US" smtClean="0"/>
               <a:pPr/>
-              <a:t>3/27/2017</a:t>
+              <a:t>3/29/2017</a:t>
             </a:fld>
             <a:endParaRPr lang="en-US" dirty="0"/>
           </a:p>
@@ -6191,11 +6191,15 @@
             </a:pPr>
             <a:r>
               <a:rPr lang="bg-BG" dirty="0"/>
-              <a:t>Съединяване на текст и число</a:t>
-            </a:r>
-            <a:r>
-              <a:rPr lang="en-US" dirty="0"/>
-              <a:t> (</a:t>
+              <a:t>Съединяване </a:t>
+            </a:r>
+            <a:r>
+              <a:rPr lang="bg-BG"/>
+              <a:t>на текстове </a:t>
+            </a:r>
+            <a:r>
+              <a:rPr lang="en-US"/>
+              <a:t>(</a:t>
             </a:r>
             <a:r>
               <a:rPr lang="bg-BG" dirty="0"/>
@@ -12353,6 +12357,112 @@
               </a:rPr>
               <a:t>…</a:t>
             </a:r>
+          </a:p>
+          <a:p>
+            <a:pPr lvl="1"/>
+            <a:r>
+              <a:rPr lang="bg-BG" dirty="0"/>
+              <a:t>Тип </a:t>
+            </a:r>
+            <a:r>
+              <a:rPr lang="bg-BG" dirty="0">
+                <a:solidFill>
+                  <a:schemeClr val="tx2">
+                    <a:lumMod val="75000"/>
+                  </a:schemeClr>
+                </a:solidFill>
+              </a:rPr>
+              <a:t>знак</a:t>
+            </a:r>
+            <a:r>
+              <a:rPr lang="en-US" dirty="0">
+                <a:solidFill>
+                  <a:schemeClr val="tx2">
+                    <a:lumMod val="75000"/>
+                  </a:schemeClr>
+                </a:solidFill>
+              </a:rPr>
+              <a:t> </a:t>
+            </a:r>
+            <a:r>
+              <a:rPr lang="en-US" dirty="0"/>
+              <a:t>(char</a:t>
+            </a:r>
+            <a:r>
+              <a:rPr lang="bg-BG" dirty="0"/>
+              <a:t>)</a:t>
+            </a:r>
+            <a:r>
+              <a:rPr lang="en-US" dirty="0"/>
+              <a:t>: </a:t>
+            </a:r>
+            <a:r>
+              <a:rPr lang="en-US" b="1" dirty="0">
+                <a:solidFill>
+                  <a:schemeClr val="tx2">
+                    <a:lumMod val="75000"/>
+                  </a:schemeClr>
+                </a:solidFill>
+                <a:latin typeface="Consolas" pitchFamily="49" charset="0"/>
+                <a:cs typeface="Consolas" pitchFamily="49" charset="0"/>
+              </a:rPr>
+              <a:t>'@'</a:t>
+            </a:r>
+            <a:r>
+              <a:rPr lang="en-US" dirty="0"/>
+              <a:t>, </a:t>
+            </a:r>
+            <a:r>
+              <a:rPr lang="en-US" b="1" dirty="0">
+                <a:solidFill>
+                  <a:schemeClr val="tx2">
+                    <a:lumMod val="75000"/>
+                  </a:schemeClr>
+                </a:solidFill>
+                <a:latin typeface="Consolas" pitchFamily="49" charset="0"/>
+                <a:cs typeface="Consolas" pitchFamily="49" charset="0"/>
+              </a:rPr>
+              <a:t>'R'</a:t>
+            </a:r>
+            <a:r>
+              <a:rPr lang="en-US" dirty="0"/>
+              <a:t>, </a:t>
+            </a:r>
+            <a:r>
+              <a:rPr lang="en-US" b="1" dirty="0">
+                <a:solidFill>
+                  <a:schemeClr val="tx2">
+                    <a:lumMod val="75000"/>
+                  </a:schemeClr>
+                </a:solidFill>
+                <a:latin typeface="Consolas" pitchFamily="49" charset="0"/>
+                <a:cs typeface="Consolas" pitchFamily="49" charset="0"/>
+              </a:rPr>
+              <a:t>'a'</a:t>
+            </a:r>
+            <a:r>
+              <a:rPr lang="en-US" dirty="0"/>
+              <a:t>, </a:t>
+            </a:r>
+            <a:r>
+              <a:rPr lang="en-US" dirty="0">
+                <a:solidFill>
+                  <a:schemeClr val="accent5">
+                    <a:lumMod val="20000"/>
+                    <a:lumOff val="80000"/>
+                  </a:schemeClr>
+                </a:solidFill>
+                <a:latin typeface="Consolas" pitchFamily="49" charset="0"/>
+                <a:cs typeface="Consolas" pitchFamily="49" charset="0"/>
+              </a:rPr>
+              <a:t>…</a:t>
+            </a:r>
+            <a:endParaRPr lang="bg-BG" dirty="0"/>
+          </a:p>
+          <a:p>
+            <a:pPr marL="377887" lvl="1" indent="0">
+              <a:buNone/>
+            </a:pPr>
             <a:endParaRPr lang="bg-BG" dirty="0"/>
           </a:p>
         </p:txBody>
@@ -14039,7 +14149,7 @@
                   </a:outerShdw>
                 </a:effectLst>
               </a:rPr>
-              <a:t>При печат на текст можем да съединим</a:t>
+              <a:t>При печат на текст можем да използваме последователно няколко оператора </a:t>
             </a:r>
             <a:r>
               <a:rPr lang="en-US" sz="2800" dirty="0">
@@ -14051,104 +14161,7 @@
                   </a:outerShdw>
                 </a:effectLst>
               </a:rPr>
-              <a:t> </a:t>
-            </a:r>
-            <a:r>
-              <a:rPr lang="bg-BG" sz="2800" dirty="0">
-                <a:effectLst>
-                  <a:outerShdw blurRad="38100" dist="38100" dir="2700000" algn="tl">
-                    <a:srgbClr val="000000">
-                      <a:alpha val="43137"/>
-                    </a:srgbClr>
-                  </a:outerShdw>
-                </a:effectLst>
-              </a:rPr>
-              <a:t>няколко такива, използвайки оператор +. Можем да </a:t>
-            </a:r>
-            <a:r>
-              <a:rPr lang="it-IT" sz="2800" noProof="1">
-                <a:solidFill>
-                  <a:srgbClr val="FBEEDC"/>
-                </a:solidFill>
-                <a:effectLst>
-                  <a:outerShdw blurRad="38100" dist="38100" dir="2700000" algn="tl">
-                    <a:srgbClr val="000000">
-                      <a:alpha val="43137"/>
-                    </a:srgbClr>
-                  </a:outerShdw>
-                </a:effectLst>
-                <a:latin typeface="Consolas" pitchFamily="49" charset="0"/>
-                <a:cs typeface="Consolas" pitchFamily="49" charset="0"/>
-              </a:rPr>
-              <a:t>'</a:t>
-            </a:r>
-            <a:r>
-              <a:rPr lang="bg-BG" sz="2800" noProof="1">
-                <a:solidFill>
-                  <a:srgbClr val="FBEEDC"/>
-                </a:solidFill>
-                <a:effectLst>
-                  <a:outerShdw blurRad="38100" dist="38100" dir="2700000" algn="tl">
-                    <a:srgbClr val="000000">
-                      <a:alpha val="43137"/>
-                    </a:srgbClr>
-                  </a:outerShdw>
-                </a:effectLst>
-                <a:latin typeface="Consolas" pitchFamily="49" charset="0"/>
-                <a:cs typeface="Consolas" pitchFamily="49" charset="0"/>
-              </a:rPr>
-              <a:t>стрингосваме</a:t>
-            </a:r>
-            <a:r>
-              <a:rPr lang="it-IT" sz="2800" b="1" noProof="1">
-                <a:solidFill>
-                  <a:srgbClr val="FBEEDC"/>
-                </a:solidFill>
-                <a:effectLst>
-                  <a:outerShdw blurRad="38100" dist="38100" dir="2700000" algn="tl">
-                    <a:srgbClr val="000000">
-                      <a:alpha val="43137"/>
-                    </a:srgbClr>
-                  </a:outerShdw>
-                </a:effectLst>
-                <a:latin typeface="Consolas" pitchFamily="49" charset="0"/>
-                <a:cs typeface="Consolas" pitchFamily="49" charset="0"/>
-              </a:rPr>
-              <a:t>'</a:t>
-            </a:r>
-            <a:r>
-              <a:rPr lang="bg-BG" sz="2800" noProof="1">
-                <a:solidFill>
-                  <a:srgbClr val="FBEEDC"/>
-                </a:solidFill>
-                <a:effectLst>
-                  <a:outerShdw blurRad="38100" dist="38100" dir="2700000" algn="tl">
-                    <a:srgbClr val="000000">
-                      <a:alpha val="43137"/>
-                    </a:srgbClr>
-                  </a:outerShdw>
-                </a:effectLst>
-                <a:latin typeface="Consolas" pitchFamily="49" charset="0"/>
-                <a:cs typeface="Consolas" pitchFamily="49" charset="0"/>
-              </a:rPr>
-              <a:t> </a:t>
-            </a:r>
-            <a:r>
-              <a:rPr lang="bg-BG" sz="2800" noProof="1">
-                <a:solidFill>
-                  <a:srgbClr val="FBEEDC"/>
-                </a:solidFill>
-                <a:effectLst>
-                  <a:outerShdw blurRad="38100" dist="38100" dir="2700000" algn="tl">
-                    <a:srgbClr val="000000">
-                      <a:alpha val="43137"/>
-                    </a:srgbClr>
-                  </a:outerShdw>
-                </a:effectLst>
-                <a:latin typeface="+mj-lt"/>
-                <a:cs typeface="Consolas" pitchFamily="49" charset="0"/>
-              </a:rPr>
-              <a:t>други типове</a:t>
+              <a:t>&lt;&lt;</a:t>
             </a:r>
             <a:endParaRPr lang="en-US" sz="2800" dirty="0">
               <a:effectLst>

--- a/2. Simple-Calculations/2. Simple-Calculations.pptx
+++ b/2. Simple-Calculations/2. Simple-Calculations.pptx
@@ -131,7 +131,7 @@
   </p:defaultTextStyle>
   <p:extLst>
     <p:ext uri="{EFAFB233-063F-42B5-8137-9DF3F51BA10A}">
-      <p15:sldGuideLst xmlns:p15="http://schemas.microsoft.com/office/powerpoint/2012/main">
+      <p15:sldGuideLst xmlns:p15="http://schemas.microsoft.com/office/powerpoint/2012/main" xmlns="">
         <p15:guide id="1" orient="horz" pos="2160" userDrawn="1">
           <p15:clr>
             <a:srgbClr val="A4A3A4"/>
@@ -145,7 +145,7 @@
       </p15:sldGuideLst>
     </p:ext>
     <p:ext uri="{2D200454-40CA-4A62-9FC3-DE9A4176ACB9}">
-      <p15:notesGuideLst xmlns:p15="http://schemas.microsoft.com/office/powerpoint/2012/main">
+      <p15:notesGuideLst xmlns:p15="http://schemas.microsoft.com/office/powerpoint/2012/main" xmlns="">
         <p15:guide id="1" orient="horz" pos="2880">
           <p15:clr>
             <a:srgbClr val="A4A3A4"/>
@@ -245,7 +245,7 @@
             <a:fld id="{FE5B4EDC-59C0-49C7-8ADA-5A781B329E02}" type="datetimeFigureOut">
               <a:rPr lang="en-US"/>
               <a:pPr/>
-              <a:t>3/29/2017</a:t>
+              <a:t>5/17/2017</a:t>
             </a:fld>
             <a:endParaRPr dirty="0"/>
           </a:p>
@@ -444,7 +444,7 @@
             <a:fld id="{F2D8D46A-B586-417D-BFBD-8C8FE0AAF762}" type="datetimeFigureOut">
               <a:rPr lang="en-US" smtClean="0"/>
               <a:pPr/>
-              <a:t>3/29/2017</a:t>
+              <a:t>5/17/2017</a:t>
             </a:fld>
             <a:endParaRPr lang="en-US"/>
           </a:p>
@@ -2172,7 +2172,7 @@
             <a:fld id="{055373AC-9AA7-423B-BA00-BA1C74164DBD}" type="datetime1">
               <a:rPr lang="en-US" smtClean="0"/>
               <a:pPr/>
-              <a:t>3/29/2017</a:t>
+              <a:t>5/17/2017</a:t>
             </a:fld>
             <a:endParaRPr lang="en-US" dirty="0"/>
           </a:p>
@@ -3340,7 +3340,7 @@
             <a:fld id="{055373AC-9AA7-423B-BA00-BA1C74164DBD}" type="datetime1">
               <a:rPr lang="en-US" smtClean="0"/>
               <a:pPr/>
-              <a:t>3/29/2017</a:t>
+              <a:t>5/17/2017</a:t>
             </a:fld>
             <a:endParaRPr lang="en-US" dirty="0"/>
           </a:p>
@@ -3869,7 +3869,7 @@
   </p:txStyles>
   <p:extLst mod="1">
     <p:ext uri="{27BBF7A9-308A-43DC-89C8-2F10F3537804}">
-      <p15:sldGuideLst xmlns:p15="http://schemas.microsoft.com/office/powerpoint/2012/main">
+      <p15:sldGuideLst xmlns:p15="http://schemas.microsoft.com/office/powerpoint/2012/main" xmlns="">
         <p15:guide id="1" orient="horz" pos="2160" userDrawn="1">
           <p15:clr>
             <a:srgbClr val="F26B43"/>
@@ -7230,13 +7230,17 @@
               <a:rPr lang="en-US" dirty="0">
                 <a:hlinkClick r:id="rId2"/>
               </a:rPr>
-              <a:t>https://judge.softuni.bg/Contests/Practice/Index/151#</a:t>
-            </a:r>
-            <a:r>
-              <a:rPr lang="bg-BG" dirty="0">
+              <a:t>https://</a:t>
+            </a:r>
+            <a:r>
+              <a:rPr lang="en-US" dirty="0" smtClean="0">
                 <a:hlinkClick r:id="rId2"/>
               </a:rPr>
-              <a:t>4</a:t>
+              <a:t>judge.softuni.bg/Contests/Practice/Index/529#5</a:t>
+            </a:r>
+            <a:r>
+              <a:rPr lang="en-US" dirty="0" smtClean="0"/>
+              <a:t> </a:t>
             </a:r>
             <a:endParaRPr lang="en-US" dirty="0"/>
           </a:p>
@@ -7932,7 +7936,17 @@
               <a:rPr lang="en-US" dirty="0">
                 <a:hlinkClick r:id="rId2"/>
               </a:rPr>
-              <a:t>https://judge.softuni.bg/Contests/Practice/Index/151#5</a:t>
+              <a:t>https://</a:t>
+            </a:r>
+            <a:r>
+              <a:rPr lang="en-US" dirty="0" smtClean="0">
+                <a:hlinkClick r:id="rId2"/>
+              </a:rPr>
+              <a:t>judge.softuni.bg/Contests/Practice/Index/529#8</a:t>
+            </a:r>
+            <a:r>
+              <a:rPr lang="en-US" dirty="0" smtClean="0"/>
+              <a:t> </a:t>
             </a:r>
             <a:endParaRPr lang="en-US" dirty="0"/>
           </a:p>
@@ -8093,6 +8107,10 @@
             <a:r>
               <a:rPr lang="bg-BG" sz="3200" dirty="0"/>
               <a:t> е зададен с координатите</a:t>
+            </a:r>
+            <a:r>
+              <a:rPr lang="en-US" sz="3200" dirty="0"/>
+              <a:t/>
             </a:r>
             <a:br>
               <a:rPr lang="en-US" sz="3200" dirty="0"/>
@@ -11289,7 +11307,17 @@
               <a:rPr lang="en-US" dirty="0">
                 <a:hlinkClick r:id="rId2"/>
               </a:rPr>
-              <a:t>https://judge.softuni.bg/Contests/Practice/Index/151#0</a:t>
+              <a:t>https://</a:t>
+            </a:r>
+            <a:r>
+              <a:rPr lang="en-US" dirty="0" smtClean="0">
+                <a:hlinkClick r:id="rId2"/>
+              </a:rPr>
+              <a:t>judge.softuni.bg/Contests/Practice/Index/529#10</a:t>
+            </a:r>
+            <a:r>
+              <a:rPr lang="en-US" dirty="0" smtClean="0"/>
+              <a:t>  </a:t>
             </a:r>
             <a:endParaRPr lang="en-US" dirty="0"/>
           </a:p>
@@ -13532,7 +13560,17 @@
               <a:rPr lang="en-US" dirty="0">
                 <a:hlinkClick r:id="rId2"/>
               </a:rPr>
-              <a:t>https://judge.softuni.bg/Contests/Practice/Index/151#1</a:t>
+              <a:t>https://</a:t>
+            </a:r>
+            <a:r>
+              <a:rPr lang="en-US" dirty="0" smtClean="0">
+                <a:hlinkClick r:id="rId2"/>
+              </a:rPr>
+              <a:t>judge.softuni.bg/Contests/Practice/Index/529#7</a:t>
+            </a:r>
+            <a:r>
+              <a:rPr lang="en-US" dirty="0" smtClean="0"/>
+              <a:t>  </a:t>
             </a:r>
             <a:endParaRPr lang="en-US" dirty="0"/>
           </a:p>
@@ -13994,13 +14032,23 @@
               <a:rPr lang="en-US" dirty="0">
                 <a:hlinkClick r:id="rId2"/>
               </a:rPr>
-              <a:t>https://judge.softuni.bg/Contests/Practice/Index/151#</a:t>
-            </a:r>
-            <a:r>
-              <a:rPr lang="bg-BG" dirty="0">
+              <a:t>https://</a:t>
+            </a:r>
+            <a:r>
+              <a:rPr lang="en-US" dirty="0" smtClean="0">
                 <a:hlinkClick r:id="rId2"/>
               </a:rPr>
-              <a:t>2</a:t>
+              <a:t>judge.softuni.bg/Contests/Practice/Index/529#</a:t>
+            </a:r>
+            <a:r>
+              <a:rPr lang="en-US" dirty="0" smtClean="0">
+                <a:hlinkClick r:id="rId2"/>
+              </a:rPr>
+              <a:t>9</a:t>
+            </a:r>
+            <a:r>
+              <a:rPr lang="en-US" dirty="0" smtClean="0"/>
+              <a:t> </a:t>
             </a:r>
             <a:endParaRPr lang="en-US" dirty="0"/>
           </a:p>
@@ -15198,7 +15246,17 @@
               <a:rPr lang="en-US" dirty="0">
                 <a:hlinkClick r:id="rId2"/>
               </a:rPr>
-              <a:t>https://judge.softuni.bg/Contests/Practice/Index/151#3</a:t>
+              <a:t>https://</a:t>
+            </a:r>
+            <a:r>
+              <a:rPr lang="en-US" dirty="0" smtClean="0">
+                <a:hlinkClick r:id="rId2"/>
+              </a:rPr>
+              <a:t>judge.softuni.bg/Contests/Practice/Index/529#3</a:t>
+            </a:r>
+            <a:r>
+              <a:rPr lang="en-US" dirty="0" smtClean="0"/>
+              <a:t> </a:t>
             </a:r>
             <a:endParaRPr lang="en-US" dirty="0"/>
           </a:p>

--- a/2. Simple-Calculations/2. Simple-Calculations.pptx
+++ b/2. Simple-Calculations/2. Simple-Calculations.pptx
@@ -131,7 +131,7 @@
   </p:defaultTextStyle>
   <p:extLst>
     <p:ext uri="{EFAFB233-063F-42B5-8137-9DF3F51BA10A}">
-      <p15:sldGuideLst xmlns:p15="http://schemas.microsoft.com/office/powerpoint/2012/main" xmlns="">
+      <p15:sldGuideLst xmlns="" xmlns:p15="http://schemas.microsoft.com/office/powerpoint/2012/main">
         <p15:guide id="1" orient="horz" pos="2160" userDrawn="1">
           <p15:clr>
             <a:srgbClr val="A4A3A4"/>
@@ -145,7 +145,7 @@
       </p15:sldGuideLst>
     </p:ext>
     <p:ext uri="{2D200454-40CA-4A62-9FC3-DE9A4176ACB9}">
-      <p15:notesGuideLst xmlns:p15="http://schemas.microsoft.com/office/powerpoint/2012/main" xmlns="">
+      <p15:notesGuideLst xmlns="" xmlns:p15="http://schemas.microsoft.com/office/powerpoint/2012/main">
         <p15:guide id="1" orient="horz" pos="2880">
           <p15:clr>
             <a:srgbClr val="A4A3A4"/>
@@ -245,7 +245,7 @@
             <a:fld id="{FE5B4EDC-59C0-49C7-8ADA-5A781B329E02}" type="datetimeFigureOut">
               <a:rPr lang="en-US"/>
               <a:pPr/>
-              <a:t>5/17/2017</a:t>
+              <a:t>5/31/2017</a:t>
             </a:fld>
             <a:endParaRPr dirty="0"/>
           </a:p>
@@ -444,7 +444,7 @@
             <a:fld id="{F2D8D46A-B586-417D-BFBD-8C8FE0AAF762}" type="datetimeFigureOut">
               <a:rPr lang="en-US" smtClean="0"/>
               <a:pPr/>
-              <a:t>5/17/2017</a:t>
+              <a:t>5/31/2017</a:t>
             </a:fld>
             <a:endParaRPr lang="en-US"/>
           </a:p>
@@ -2172,7 +2172,7 @@
             <a:fld id="{055373AC-9AA7-423B-BA00-BA1C74164DBD}" type="datetime1">
               <a:rPr lang="en-US" smtClean="0"/>
               <a:pPr/>
-              <a:t>5/17/2017</a:t>
+              <a:t>5/31/2017</a:t>
             </a:fld>
             <a:endParaRPr lang="en-US" dirty="0"/>
           </a:p>
@@ -3340,7 +3340,7 @@
             <a:fld id="{055373AC-9AA7-423B-BA00-BA1C74164DBD}" type="datetime1">
               <a:rPr lang="en-US" smtClean="0"/>
               <a:pPr/>
-              <a:t>5/17/2017</a:t>
+              <a:t>5/31/2017</a:t>
             </a:fld>
             <a:endParaRPr lang="en-US" dirty="0"/>
           </a:p>
@@ -3869,7 +3869,7 @@
   </p:txStyles>
   <p:extLst mod="1">
     <p:ext uri="{27BBF7A9-308A-43DC-89C8-2F10F3537804}">
-      <p15:sldGuideLst xmlns:p15="http://schemas.microsoft.com/office/powerpoint/2012/main" xmlns="">
+      <p15:sldGuideLst xmlns="" xmlns:p15="http://schemas.microsoft.com/office/powerpoint/2012/main">
         <p15:guide id="1" orient="horz" pos="2160" userDrawn="1">
           <p15:clr>
             <a:srgbClr val="F26B43"/>
@@ -14038,13 +14038,7 @@
               <a:rPr lang="en-US" dirty="0" smtClean="0">
                 <a:hlinkClick r:id="rId2"/>
               </a:rPr>
-              <a:t>judge.softuni.bg/Contests/Practice/Index/529#</a:t>
-            </a:r>
-            <a:r>
-              <a:rPr lang="en-US" dirty="0" smtClean="0">
-                <a:hlinkClick r:id="rId2"/>
-              </a:rPr>
-              <a:t>9</a:t>
+              <a:t>judge.softuni.bg/Contests/Practice/Index/529#9</a:t>
             </a:r>
             <a:r>
               <a:rPr lang="en-US" dirty="0" smtClean="0"/>
@@ -15358,9 +15352,9 @@
       </p:sp>
       <p:pic>
         <p:nvPicPr>
-          <p:cNvPr id="11" name="Картина 10"/>
+          <p:cNvPr id="1026" name="Picture 2"/>
           <p:cNvPicPr>
-            <a:picLocks noChangeAspect="1"/>
+            <a:picLocks noChangeAspect="1" noChangeArrowheads="1"/>
           </p:cNvPicPr>
           <p:nvPr/>
         </p:nvPicPr>
@@ -15372,40 +15366,49 @@
               </a:ext>
             </a:extLst>
           </a:blip>
+          <a:srcRect/>
           <a:stretch>
             <a:fillRect/>
           </a:stretch>
         </p:blipFill>
-        <p:spPr>
+        <p:spPr bwMode="auto">
           <a:xfrm>
-            <a:off x="531812" y="2311901"/>
-            <a:ext cx="4037880" cy="1400232"/>
+            <a:off x="303213" y="2416868"/>
+            <a:ext cx="4419600" cy="2536601"/>
           </a:xfrm>
           <a:prstGeom prst="rect">
             <a:avLst/>
           </a:prstGeom>
+          <a:noFill/>
           <a:ln>
             <a:noFill/>
           </a:ln>
-          <a:effectLst/>
-          <a:scene3d>
-            <a:camera prst="perspectiveContrastingLeftFacing">
-              <a:rot lat="300000" lon="19800000" rev="0"/>
-            </a:camera>
-            <a:lightRig rig="threePt" dir="t">
-              <a:rot lat="0" lon="0" rev="2700000"/>
-            </a:lightRig>
-          </a:scene3d>
-          <a:sp3d>
-            <a:bevelT w="63500" h="50800"/>
-          </a:sp3d>
+          <a:extLst>
+            <a:ext uri="{909E8E84-426E-40DD-AFC4-6F175D3DCCD1}">
+              <a14:hiddenFill xmlns:a14="http://schemas.microsoft.com/office/drawing/2010/main">
+                <a:solidFill>
+                  <a:schemeClr val="accent1"/>
+                </a:solidFill>
+              </a14:hiddenFill>
+            </a:ext>
+            <a:ext uri="{91240B29-F687-4F45-9708-019B960494DF}">
+              <a14:hiddenLine xmlns:a14="http://schemas.microsoft.com/office/drawing/2010/main" w="9525">
+                <a:solidFill>
+                  <a:schemeClr val="tx1"/>
+                </a:solidFill>
+                <a:miter lim="800000"/>
+                <a:headEnd/>
+                <a:tailEnd/>
+              </a14:hiddenLine>
+            </a:ext>
+          </a:extLst>
         </p:spPr>
       </p:pic>
       <p:pic>
         <p:nvPicPr>
-          <p:cNvPr id="12" name="Картина 11"/>
+          <p:cNvPr id="1027" name="Picture 3"/>
           <p:cNvPicPr>
-            <a:picLocks noChangeAspect="1"/>
+            <a:picLocks noChangeAspect="1" noChangeArrowheads="1"/>
           </p:cNvPicPr>
           <p:nvPr/>
         </p:nvPicPr>
@@ -15417,78 +15420,96 @@
               </a:ext>
             </a:extLst>
           </a:blip>
+          <a:srcRect/>
           <a:stretch>
             <a:fillRect/>
           </a:stretch>
         </p:blipFill>
-        <p:spPr>
+        <p:spPr bwMode="auto">
           <a:xfrm>
-            <a:off x="2894012" y="1632697"/>
-            <a:ext cx="4230896" cy="1503541"/>
+            <a:off x="3122612" y="152400"/>
+            <a:ext cx="4661090" cy="2122823"/>
           </a:xfrm>
           <a:prstGeom prst="rect">
             <a:avLst/>
           </a:prstGeom>
-          <a:solidFill>
-            <a:srgbClr val="FFFFFF">
-              <a:shade val="85000"/>
-            </a:srgbClr>
-          </a:solidFill>
-          <a:ln w="88900" cap="sq">
+          <a:noFill/>
+          <a:ln>
             <a:noFill/>
-            <a:miter lim="800000"/>
           </a:ln>
-          <a:effectLst/>
+          <a:extLst>
+            <a:ext uri="{909E8E84-426E-40DD-AFC4-6F175D3DCCD1}">
+              <a14:hiddenFill xmlns:a14="http://schemas.microsoft.com/office/drawing/2010/main">
+                <a:solidFill>
+                  <a:schemeClr val="accent1"/>
+                </a:solidFill>
+              </a14:hiddenFill>
+            </a:ext>
+            <a:ext uri="{91240B29-F687-4F45-9708-019B960494DF}">
+              <a14:hiddenLine xmlns:a14="http://schemas.microsoft.com/office/drawing/2010/main" w="9525">
+                <a:solidFill>
+                  <a:schemeClr val="tx1"/>
+                </a:solidFill>
+                <a:miter lim="800000"/>
+                <a:headEnd/>
+                <a:tailEnd/>
+              </a14:hiddenLine>
+            </a:ext>
+          </a:extLst>
         </p:spPr>
       </p:pic>
       <p:pic>
         <p:nvPicPr>
-          <p:cNvPr id="13" name="Картина 12"/>
+          <p:cNvPr id="1028" name="Picture 4"/>
           <p:cNvPicPr>
-            <a:picLocks noChangeAspect="1"/>
+            <a:picLocks noChangeAspect="1" noChangeArrowheads="1"/>
           </p:cNvPicPr>
           <p:nvPr/>
         </p:nvPicPr>
         <p:blipFill>
-          <a:blip r:embed="rId4">
+          <a:blip r:embed="rId4" cstate="print">
             <a:extLst>
               <a:ext uri="{28A0092B-C50C-407E-A947-70E740481C1C}">
                 <a14:useLocalDpi xmlns:a14="http://schemas.microsoft.com/office/drawing/2010/main" val="0"/>
               </a:ext>
             </a:extLst>
           </a:blip>
+          <a:srcRect/>
           <a:stretch>
             <a:fillRect/>
           </a:stretch>
         </p:blipFill>
-        <p:spPr>
+        <p:spPr bwMode="auto">
           <a:xfrm>
-            <a:off x="5408612" y="1781974"/>
-            <a:ext cx="5444453" cy="2460086"/>
+            <a:off x="6821665" y="2416867"/>
+            <a:ext cx="4332985" cy="2536601"/>
           </a:xfrm>
           <a:prstGeom prst="rect">
             <a:avLst/>
           </a:prstGeom>
-          <a:solidFill>
-            <a:srgbClr val="FFFFFF">
-              <a:shade val="85000"/>
-            </a:srgbClr>
-          </a:solidFill>
-          <a:ln w="190500" cap="rnd">
+          <a:noFill/>
+          <a:ln>
             <a:noFill/>
           </a:ln>
-          <a:effectLst/>
-          <a:scene3d>
-            <a:camera prst="perspectiveContrastingLeftFacing">
-              <a:rot lat="300000" lon="1800000" rev="0"/>
-            </a:camera>
-            <a:lightRig rig="soft" dir="t"/>
-          </a:scene3d>
-          <a:sp3d contourW="12700" prstMaterial="matte">
-            <a:contourClr>
-              <a:srgbClr val="C0C0C0"/>
-            </a:contourClr>
-          </a:sp3d>
+          <a:extLst>
+            <a:ext uri="{909E8E84-426E-40DD-AFC4-6F175D3DCCD1}">
+              <a14:hiddenFill xmlns:a14="http://schemas.microsoft.com/office/drawing/2010/main">
+                <a:solidFill>
+                  <a:schemeClr val="accent1"/>
+                </a:solidFill>
+              </a14:hiddenFill>
+            </a:ext>
+            <a:ext uri="{91240B29-F687-4F45-9708-019B960494DF}">
+              <a14:hiddenLine xmlns:a14="http://schemas.microsoft.com/office/drawing/2010/main" w="9525">
+                <a:solidFill>
+                  <a:schemeClr val="tx1"/>
+                </a:solidFill>
+                <a:miter lim="800000"/>
+                <a:headEnd/>
+                <a:tailEnd/>
+              </a14:hiddenLine>
+            </a:ext>
+          </a:extLst>
         </p:spPr>
       </p:pic>
     </p:spTree>
